--- a/Presentations/Khanlab_Robarts_ppt_template_16x9.pptx
+++ b/Presentations/Khanlab_Robarts_ppt_template_16x9.pptx
@@ -548,11 +548,11 @@
           <a:lstStyle/>
           <a:p>
             <a:r>
-              <a:rPr lang="en-CA" dirty="0" smtClean="0"/>
+              <a:rPr lang="en-CA" dirty="0"/>
               <a:t>General</a:t>
             </a:r>
             <a:r>
-              <a:rPr lang="en-CA" baseline="0" dirty="0" smtClean="0"/>
+              <a:rPr lang="en-CA" baseline="0" dirty="0"/>
               <a:t> point: break down figures a bit more</a:t>
             </a:r>
             <a:endParaRPr lang="en-CA" dirty="0"/>
@@ -637,7 +637,7 @@
               <a:rPr lang="en-US" baseline="0" smtClean="0"/>
               <a:t>2</a:t>
             </a:fld>
-            <a:endParaRPr lang="en-US" baseline="0" dirty="0" smtClean="0"/>
+            <a:endParaRPr lang="en-US" baseline="0" dirty="0"/>
           </a:p>
         </p:txBody>
       </p:sp>
@@ -750,7 +750,7 @@
               <a:rPr lang="en-US" baseline="0" smtClean="0"/>
               <a:t>3</a:t>
             </a:fld>
-            <a:endParaRPr lang="en-US" baseline="0" dirty="0" smtClean="0"/>
+            <a:endParaRPr lang="en-US" baseline="0" dirty="0"/>
           </a:p>
         </p:txBody>
       </p:sp>
@@ -876,7 +876,7 @@
           </a:lstStyle>
           <a:p>
             <a:r>
-              <a:rPr lang="en-US" smtClean="0"/>
+              <a:rPr lang="en-US"/>
               <a:t>Click to edit Master title style</a:t>
             </a:r>
             <a:endParaRPr lang="en-CA" dirty="0"/>
@@ -947,7 +947,7 @@
           </a:lstStyle>
           <a:p>
             <a:r>
-              <a:rPr lang="en-US" smtClean="0"/>
+              <a:rPr lang="en-US"/>
               <a:t>Click to edit Master subtitle style</a:t>
             </a:r>
             <a:endParaRPr lang="en-CA"/>
@@ -1112,13 +1112,6 @@
   <p:clrMapOvr>
     <a:masterClrMapping/>
   </p:clrMapOvr>
-  <p:timing>
-    <p:tnLst>
-      <p:par>
-        <p:cTn id="1" dur="indefinite" restart="never" nodeType="tmRoot"/>
-      </p:par>
-    </p:tnLst>
-  </p:timing>
 </p:sldLayout>
 </file>
 
@@ -1155,7 +1148,7 @@
           <a:lstStyle/>
           <a:p>
             <a:r>
-              <a:rPr lang="en-US" smtClean="0"/>
+              <a:rPr lang="en-US"/>
               <a:t>Click to edit Master title style</a:t>
             </a:r>
             <a:endParaRPr lang="en-CA"/>
@@ -1179,35 +1172,35 @@
           <a:p>
             <a:pPr lvl="0"/>
             <a:r>
-              <a:rPr lang="en-US" smtClean="0"/>
+              <a:rPr lang="en-US"/>
               <a:t>Click to edit Master text styles</a:t>
             </a:r>
           </a:p>
           <a:p>
             <a:pPr lvl="1"/>
             <a:r>
-              <a:rPr lang="en-US" smtClean="0"/>
+              <a:rPr lang="en-US"/>
               <a:t>Second level</a:t>
             </a:r>
           </a:p>
           <a:p>
             <a:pPr lvl="2"/>
             <a:r>
-              <a:rPr lang="en-US" smtClean="0"/>
+              <a:rPr lang="en-US"/>
               <a:t>Third level</a:t>
             </a:r>
           </a:p>
           <a:p>
             <a:pPr lvl="3"/>
             <a:r>
-              <a:rPr lang="en-US" smtClean="0"/>
+              <a:rPr lang="en-US"/>
               <a:t>Fourth level</a:t>
             </a:r>
           </a:p>
           <a:p>
             <a:pPr lvl="4"/>
             <a:r>
-              <a:rPr lang="en-US" smtClean="0"/>
+              <a:rPr lang="en-US"/>
               <a:t>Fifth level</a:t>
             </a:r>
             <a:endParaRPr lang="en-CA"/>
@@ -1319,13 +1312,6 @@
   <p:clrMapOvr>
     <a:masterClrMapping/>
   </p:clrMapOvr>
-  <p:timing>
-    <p:tnLst>
-      <p:par>
-        <p:cTn id="1" dur="indefinite" restart="never" nodeType="tmRoot"/>
-      </p:par>
-    </p:tnLst>
-  </p:timing>
 </p:sldLayout>
 </file>
 
@@ -1367,7 +1353,7 @@
           <a:lstStyle/>
           <a:p>
             <a:r>
-              <a:rPr lang="en-US" smtClean="0"/>
+              <a:rPr lang="en-US"/>
               <a:t>Click to edit Master title style</a:t>
             </a:r>
             <a:endParaRPr lang="en-CA"/>
@@ -1396,35 +1382,35 @@
           <a:p>
             <a:pPr lvl="0"/>
             <a:r>
-              <a:rPr lang="en-US" smtClean="0"/>
+              <a:rPr lang="en-US"/>
               <a:t>Click to edit Master text styles</a:t>
             </a:r>
           </a:p>
           <a:p>
             <a:pPr lvl="1"/>
             <a:r>
-              <a:rPr lang="en-US" smtClean="0"/>
+              <a:rPr lang="en-US"/>
               <a:t>Second level</a:t>
             </a:r>
           </a:p>
           <a:p>
             <a:pPr lvl="2"/>
             <a:r>
-              <a:rPr lang="en-US" smtClean="0"/>
+              <a:rPr lang="en-US"/>
               <a:t>Third level</a:t>
             </a:r>
           </a:p>
           <a:p>
             <a:pPr lvl="3"/>
             <a:r>
-              <a:rPr lang="en-US" smtClean="0"/>
+              <a:rPr lang="en-US"/>
               <a:t>Fourth level</a:t>
             </a:r>
           </a:p>
           <a:p>
             <a:pPr lvl="4"/>
             <a:r>
-              <a:rPr lang="en-US" smtClean="0"/>
+              <a:rPr lang="en-US"/>
               <a:t>Fifth level</a:t>
             </a:r>
             <a:endParaRPr lang="en-CA"/>
@@ -1536,13 +1522,6 @@
   <p:clrMapOvr>
     <a:masterClrMapping/>
   </p:clrMapOvr>
-  <p:timing>
-    <p:tnLst>
-      <p:par>
-        <p:cTn id="1" dur="indefinite" restart="never" nodeType="tmRoot"/>
-      </p:par>
-    </p:tnLst>
-  </p:timing>
 </p:sldLayout>
 </file>
 
@@ -1584,7 +1563,7 @@
           <a:lstStyle/>
           <a:p>
             <a:r>
-              <a:rPr lang="en-US" smtClean="0"/>
+              <a:rPr lang="en-US"/>
               <a:t>Click to edit Master title style</a:t>
             </a:r>
             <a:endParaRPr lang="en-CA"/>
@@ -1613,35 +1592,35 @@
           <a:p>
             <a:pPr lvl="0"/>
             <a:r>
-              <a:rPr lang="en-US" smtClean="0"/>
+              <a:rPr lang="en-US"/>
               <a:t>Click to edit Master text styles</a:t>
             </a:r>
           </a:p>
           <a:p>
             <a:pPr lvl="1"/>
             <a:r>
-              <a:rPr lang="en-US" smtClean="0"/>
+              <a:rPr lang="en-US"/>
               <a:t>Second level</a:t>
             </a:r>
           </a:p>
           <a:p>
             <a:pPr lvl="2"/>
             <a:r>
-              <a:rPr lang="en-US" smtClean="0"/>
+              <a:rPr lang="en-US"/>
               <a:t>Third level</a:t>
             </a:r>
           </a:p>
           <a:p>
             <a:pPr lvl="3"/>
             <a:r>
-              <a:rPr lang="en-US" smtClean="0"/>
+              <a:rPr lang="en-US"/>
               <a:t>Fourth level</a:t>
             </a:r>
           </a:p>
           <a:p>
             <a:pPr lvl="4"/>
             <a:r>
-              <a:rPr lang="en-US" smtClean="0"/>
+              <a:rPr lang="en-US"/>
               <a:t>Fifth level</a:t>
             </a:r>
             <a:endParaRPr lang="en-CA"/>
@@ -1670,35 +1649,35 @@
           <a:p>
             <a:pPr lvl="0"/>
             <a:r>
-              <a:rPr lang="en-US" smtClean="0"/>
+              <a:rPr lang="en-US"/>
               <a:t>Click to edit Master text styles</a:t>
             </a:r>
           </a:p>
           <a:p>
             <a:pPr lvl="1"/>
             <a:r>
-              <a:rPr lang="en-US" smtClean="0"/>
+              <a:rPr lang="en-US"/>
               <a:t>Second level</a:t>
             </a:r>
           </a:p>
           <a:p>
             <a:pPr lvl="2"/>
             <a:r>
-              <a:rPr lang="en-US" smtClean="0"/>
+              <a:rPr lang="en-US"/>
               <a:t>Third level</a:t>
             </a:r>
           </a:p>
           <a:p>
             <a:pPr lvl="3"/>
             <a:r>
-              <a:rPr lang="en-US" smtClean="0"/>
+              <a:rPr lang="en-US"/>
               <a:t>Fourth level</a:t>
             </a:r>
           </a:p>
           <a:p>
             <a:pPr lvl="4"/>
             <a:r>
-              <a:rPr lang="en-US" smtClean="0"/>
+              <a:rPr lang="en-US"/>
               <a:t>Fifth level</a:t>
             </a:r>
             <a:endParaRPr lang="en-CA"/>
@@ -1815,13 +1794,6 @@
   <p:clrMapOvr>
     <a:masterClrMapping/>
   </p:clrMapOvr>
-  <p:timing>
-    <p:tnLst>
-      <p:par>
-        <p:cTn id="1" dur="indefinite" restart="never" nodeType="tmRoot"/>
-      </p:par>
-    </p:tnLst>
-  </p:timing>
 </p:sldLayout>
 </file>
 
@@ -1864,35 +1836,35 @@
           <a:p>
             <a:pPr lvl="0"/>
             <a:r>
-              <a:rPr lang="en-US" smtClean="0"/>
+              <a:rPr lang="en-US"/>
               <a:t>Click to edit Master text styles</a:t>
             </a:r>
           </a:p>
           <a:p>
             <a:pPr lvl="1"/>
             <a:r>
-              <a:rPr lang="en-US" smtClean="0"/>
+              <a:rPr lang="en-US"/>
               <a:t>Second level</a:t>
             </a:r>
           </a:p>
           <a:p>
             <a:pPr lvl="2"/>
             <a:r>
-              <a:rPr lang="en-US" smtClean="0"/>
+              <a:rPr lang="en-US"/>
               <a:t>Third level</a:t>
             </a:r>
           </a:p>
           <a:p>
             <a:pPr lvl="3"/>
             <a:r>
-              <a:rPr lang="en-US" smtClean="0"/>
+              <a:rPr lang="en-US"/>
               <a:t>Fourth level</a:t>
             </a:r>
           </a:p>
           <a:p>
             <a:pPr lvl="4"/>
             <a:r>
-              <a:rPr lang="en-US" smtClean="0"/>
+              <a:rPr lang="en-US"/>
               <a:t>Fifth level</a:t>
             </a:r>
             <a:endParaRPr lang="en-CA"/>
@@ -2009,13 +1981,6 @@
   <p:clrMapOvr>
     <a:masterClrMapping/>
   </p:clrMapOvr>
-  <p:timing>
-    <p:tnLst>
-      <p:par>
-        <p:cTn id="1" dur="indefinite" restart="never" nodeType="tmRoot"/>
-      </p:par>
-    </p:tnLst>
-  </p:timing>
 </p:sldLayout>
 </file>
 
@@ -2052,7 +2017,7 @@
           <a:lstStyle/>
           <a:p>
             <a:r>
-              <a:rPr lang="en-US" smtClean="0"/>
+              <a:rPr lang="en-US"/>
               <a:t>Click to edit Master title style</a:t>
             </a:r>
             <a:endParaRPr lang="en-CA"/>
@@ -2160,13 +2125,6 @@
   <p:clrMapOvr>
     <a:masterClrMapping/>
   </p:clrMapOvr>
-  <p:timing>
-    <p:tnLst>
-      <p:par>
-        <p:cTn id="1" dur="indefinite" restart="never" nodeType="tmRoot"/>
-      </p:par>
-    </p:tnLst>
-  </p:timing>
 </p:sldLayout>
 </file>
 
@@ -2203,7 +2161,7 @@
           <a:lstStyle/>
           <a:p>
             <a:r>
-              <a:rPr lang="en-US" smtClean="0"/>
+              <a:rPr lang="en-US"/>
               <a:t>Click to edit Master title style</a:t>
             </a:r>
             <a:endParaRPr lang="en-CA"/>
@@ -2311,13 +2269,6 @@
   <p:clrMapOvr>
     <a:masterClrMapping/>
   </p:clrMapOvr>
-  <p:timing>
-    <p:tnLst>
-      <p:par>
-        <p:cTn id="1" dur="indefinite" restart="never" nodeType="tmRoot"/>
-      </p:par>
-    </p:tnLst>
-  </p:timing>
 </p:sldLayout>
 </file>
 
@@ -2359,7 +2310,7 @@
           <a:lstStyle/>
           <a:p>
             <a:r>
-              <a:rPr lang="en-US" smtClean="0"/>
+              <a:rPr lang="en-US"/>
               <a:t>Click to edit Master title style</a:t>
             </a:r>
             <a:endParaRPr lang="en-CA"/>
@@ -2388,35 +2339,35 @@
           <a:p>
             <a:pPr lvl="0"/>
             <a:r>
-              <a:rPr lang="en-US" smtClean="0"/>
+              <a:rPr lang="en-US"/>
               <a:t>Click to edit Master text styles</a:t>
             </a:r>
           </a:p>
           <a:p>
             <a:pPr lvl="1"/>
             <a:r>
-              <a:rPr lang="en-US" smtClean="0"/>
+              <a:rPr lang="en-US"/>
               <a:t>Second level</a:t>
             </a:r>
           </a:p>
           <a:p>
             <a:pPr lvl="2"/>
             <a:r>
-              <a:rPr lang="en-US" smtClean="0"/>
+              <a:rPr lang="en-US"/>
               <a:t>Third level</a:t>
             </a:r>
           </a:p>
           <a:p>
             <a:pPr lvl="3"/>
             <a:r>
-              <a:rPr lang="en-US" smtClean="0"/>
+              <a:rPr lang="en-US"/>
               <a:t>Fourth level</a:t>
             </a:r>
           </a:p>
           <a:p>
             <a:pPr lvl="4"/>
             <a:r>
-              <a:rPr lang="en-US" smtClean="0"/>
+              <a:rPr lang="en-US"/>
               <a:t>Fifth level</a:t>
             </a:r>
             <a:endParaRPr lang="en-CA"/>
@@ -2445,35 +2396,35 @@
           <a:p>
             <a:pPr lvl="0"/>
             <a:r>
-              <a:rPr lang="en-US" smtClean="0"/>
+              <a:rPr lang="en-US"/>
               <a:t>Click to edit Master text styles</a:t>
             </a:r>
           </a:p>
           <a:p>
             <a:pPr lvl="1"/>
             <a:r>
-              <a:rPr lang="en-US" smtClean="0"/>
+              <a:rPr lang="en-US"/>
               <a:t>Second level</a:t>
             </a:r>
           </a:p>
           <a:p>
             <a:pPr lvl="2"/>
             <a:r>
-              <a:rPr lang="en-US" smtClean="0"/>
+              <a:rPr lang="en-US"/>
               <a:t>Third level</a:t>
             </a:r>
           </a:p>
           <a:p>
             <a:pPr lvl="3"/>
             <a:r>
-              <a:rPr lang="en-US" smtClean="0"/>
+              <a:rPr lang="en-US"/>
               <a:t>Fourth level</a:t>
             </a:r>
           </a:p>
           <a:p>
             <a:pPr lvl="4"/>
             <a:r>
-              <a:rPr lang="en-US" smtClean="0"/>
+              <a:rPr lang="en-US"/>
               <a:t>Fifth level</a:t>
             </a:r>
             <a:endParaRPr lang="en-CA"/>
@@ -2502,35 +2453,35 @@
           <a:p>
             <a:pPr lvl="0"/>
             <a:r>
-              <a:rPr lang="en-US" smtClean="0"/>
+              <a:rPr lang="en-US"/>
               <a:t>Click to edit Master text styles</a:t>
             </a:r>
           </a:p>
           <a:p>
             <a:pPr lvl="1"/>
             <a:r>
-              <a:rPr lang="en-US" smtClean="0"/>
+              <a:rPr lang="en-US"/>
               <a:t>Second level</a:t>
             </a:r>
           </a:p>
           <a:p>
             <a:pPr lvl="2"/>
             <a:r>
-              <a:rPr lang="en-US" smtClean="0"/>
+              <a:rPr lang="en-US"/>
               <a:t>Third level</a:t>
             </a:r>
           </a:p>
           <a:p>
             <a:pPr lvl="3"/>
             <a:r>
-              <a:rPr lang="en-US" smtClean="0"/>
+              <a:rPr lang="en-US"/>
               <a:t>Fourth level</a:t>
             </a:r>
           </a:p>
           <a:p>
             <a:pPr lvl="4"/>
             <a:r>
-              <a:rPr lang="en-US" smtClean="0"/>
+              <a:rPr lang="en-US"/>
               <a:t>Fifth level</a:t>
             </a:r>
             <a:endParaRPr lang="en-CA"/>
@@ -2647,13 +2598,6 @@
   <p:clrMapOvr>
     <a:masterClrMapping/>
   </p:clrMapOvr>
-  <p:timing>
-    <p:tnLst>
-      <p:par>
-        <p:cTn id="1" dur="indefinite" restart="never" nodeType="tmRoot"/>
-      </p:par>
-    </p:tnLst>
-  </p:timing>
 </p:sldLayout>
 </file>
 
@@ -2695,7 +2639,7 @@
           <a:lstStyle/>
           <a:p>
             <a:r>
-              <a:rPr lang="en-US" smtClean="0"/>
+              <a:rPr lang="en-US"/>
               <a:t>Click to edit Master title style</a:t>
             </a:r>
             <a:endParaRPr lang="en-CA"/>
@@ -2724,35 +2668,35 @@
           <a:p>
             <a:pPr lvl="0"/>
             <a:r>
-              <a:rPr lang="en-US" smtClean="0"/>
+              <a:rPr lang="en-US"/>
               <a:t>Click to edit Master text styles</a:t>
             </a:r>
           </a:p>
           <a:p>
             <a:pPr lvl="1"/>
             <a:r>
-              <a:rPr lang="en-US" smtClean="0"/>
+              <a:rPr lang="en-US"/>
               <a:t>Second level</a:t>
             </a:r>
           </a:p>
           <a:p>
             <a:pPr lvl="2"/>
             <a:r>
-              <a:rPr lang="en-US" smtClean="0"/>
+              <a:rPr lang="en-US"/>
               <a:t>Third level</a:t>
             </a:r>
           </a:p>
           <a:p>
             <a:pPr lvl="3"/>
             <a:r>
-              <a:rPr lang="en-US" smtClean="0"/>
+              <a:rPr lang="en-US"/>
               <a:t>Fourth level</a:t>
             </a:r>
           </a:p>
           <a:p>
             <a:pPr lvl="4"/>
             <a:r>
-              <a:rPr lang="en-US" smtClean="0"/>
+              <a:rPr lang="en-US"/>
               <a:t>Fifth level</a:t>
             </a:r>
             <a:endParaRPr lang="en-CA"/>
@@ -2780,7 +2724,7 @@
           <a:lstStyle/>
           <a:p>
             <a:r>
-              <a:rPr lang="en-US" smtClean="0"/>
+              <a:rPr lang="en-US"/>
               <a:t>Click icon to add media</a:t>
             </a:r>
             <a:endParaRPr lang="en-CA"/>
@@ -2897,13 +2841,6 @@
   <p:clrMapOvr>
     <a:masterClrMapping/>
   </p:clrMapOvr>
-  <p:timing>
-    <p:tnLst>
-      <p:par>
-        <p:cTn id="1" dur="indefinite" restart="never" nodeType="tmRoot"/>
-      </p:par>
-    </p:tnLst>
-  </p:timing>
 </p:sldLayout>
 </file>
 
@@ -2945,7 +2882,7 @@
           <a:lstStyle/>
           <a:p>
             <a:r>
-              <a:rPr lang="en-US" smtClean="0"/>
+              <a:rPr lang="en-US"/>
               <a:t>Click to edit Master title style</a:t>
             </a:r>
             <a:endParaRPr lang="en-CA"/>
@@ -2974,35 +2911,35 @@
           <a:p>
             <a:pPr lvl="0"/>
             <a:r>
-              <a:rPr lang="en-US" smtClean="0"/>
+              <a:rPr lang="en-US"/>
               <a:t>Click to edit Master text styles</a:t>
             </a:r>
           </a:p>
           <a:p>
             <a:pPr lvl="1"/>
             <a:r>
-              <a:rPr lang="en-US" smtClean="0"/>
+              <a:rPr lang="en-US"/>
               <a:t>Second level</a:t>
             </a:r>
           </a:p>
           <a:p>
             <a:pPr lvl="2"/>
             <a:r>
-              <a:rPr lang="en-US" smtClean="0"/>
+              <a:rPr lang="en-US"/>
               <a:t>Third level</a:t>
             </a:r>
           </a:p>
           <a:p>
             <a:pPr lvl="3"/>
             <a:r>
-              <a:rPr lang="en-US" smtClean="0"/>
+              <a:rPr lang="en-US"/>
               <a:t>Fourth level</a:t>
             </a:r>
           </a:p>
           <a:p>
             <a:pPr lvl="4"/>
             <a:r>
-              <a:rPr lang="en-US" smtClean="0"/>
+              <a:rPr lang="en-US"/>
               <a:t>Fifth level</a:t>
             </a:r>
             <a:endParaRPr lang="en-CA"/>
@@ -3031,35 +2968,35 @@
           <a:p>
             <a:pPr lvl="0"/>
             <a:r>
-              <a:rPr lang="en-US" smtClean="0"/>
+              <a:rPr lang="en-US"/>
               <a:t>Click to edit Master text styles</a:t>
             </a:r>
           </a:p>
           <a:p>
             <a:pPr lvl="1"/>
             <a:r>
-              <a:rPr lang="en-US" smtClean="0"/>
+              <a:rPr lang="en-US"/>
               <a:t>Second level</a:t>
             </a:r>
           </a:p>
           <a:p>
             <a:pPr lvl="2"/>
             <a:r>
-              <a:rPr lang="en-US" smtClean="0"/>
+              <a:rPr lang="en-US"/>
               <a:t>Third level</a:t>
             </a:r>
           </a:p>
           <a:p>
             <a:pPr lvl="3"/>
             <a:r>
-              <a:rPr lang="en-US" smtClean="0"/>
+              <a:rPr lang="en-US"/>
               <a:t>Fourth level</a:t>
             </a:r>
           </a:p>
           <a:p>
             <a:pPr lvl="4"/>
             <a:r>
-              <a:rPr lang="en-US" smtClean="0"/>
+              <a:rPr lang="en-US"/>
               <a:t>Fifth level</a:t>
             </a:r>
             <a:endParaRPr lang="en-CA"/>
@@ -3088,35 +3025,35 @@
           <a:p>
             <a:pPr lvl="0"/>
             <a:r>
-              <a:rPr lang="en-US" smtClean="0"/>
+              <a:rPr lang="en-US"/>
               <a:t>Click to edit Master text styles</a:t>
             </a:r>
           </a:p>
           <a:p>
             <a:pPr lvl="1"/>
             <a:r>
-              <a:rPr lang="en-US" smtClean="0"/>
+              <a:rPr lang="en-US"/>
               <a:t>Second level</a:t>
             </a:r>
           </a:p>
           <a:p>
             <a:pPr lvl="2"/>
             <a:r>
-              <a:rPr lang="en-US" smtClean="0"/>
+              <a:rPr lang="en-US"/>
               <a:t>Third level</a:t>
             </a:r>
           </a:p>
           <a:p>
             <a:pPr lvl="3"/>
             <a:r>
-              <a:rPr lang="en-US" smtClean="0"/>
+              <a:rPr lang="en-US"/>
               <a:t>Fourth level</a:t>
             </a:r>
           </a:p>
           <a:p>
             <a:pPr lvl="4"/>
             <a:r>
-              <a:rPr lang="en-US" smtClean="0"/>
+              <a:rPr lang="en-US"/>
               <a:t>Fifth level</a:t>
             </a:r>
             <a:endParaRPr lang="en-CA"/>
@@ -3145,35 +3082,35 @@
           <a:p>
             <a:pPr lvl="0"/>
             <a:r>
-              <a:rPr lang="en-US" smtClean="0"/>
+              <a:rPr lang="en-US"/>
               <a:t>Click to edit Master text styles</a:t>
             </a:r>
           </a:p>
           <a:p>
             <a:pPr lvl="1"/>
             <a:r>
-              <a:rPr lang="en-US" smtClean="0"/>
+              <a:rPr lang="en-US"/>
               <a:t>Second level</a:t>
             </a:r>
           </a:p>
           <a:p>
             <a:pPr lvl="2"/>
             <a:r>
-              <a:rPr lang="en-US" smtClean="0"/>
+              <a:rPr lang="en-US"/>
               <a:t>Third level</a:t>
             </a:r>
           </a:p>
           <a:p>
             <a:pPr lvl="3"/>
             <a:r>
-              <a:rPr lang="en-US" smtClean="0"/>
+              <a:rPr lang="en-US"/>
               <a:t>Fourth level</a:t>
             </a:r>
           </a:p>
           <a:p>
             <a:pPr lvl="4"/>
             <a:r>
-              <a:rPr lang="en-US" smtClean="0"/>
+              <a:rPr lang="en-US"/>
               <a:t>Fifth level</a:t>
             </a:r>
             <a:endParaRPr lang="en-CA"/>
@@ -3290,13 +3227,6 @@
   <p:clrMapOvr>
     <a:masterClrMapping/>
   </p:clrMapOvr>
-  <p:timing>
-    <p:tnLst>
-      <p:par>
-        <p:cTn id="1" dur="indefinite" restart="never" nodeType="tmRoot"/>
-      </p:par>
-    </p:tnLst>
-  </p:timing>
 </p:sldLayout>
 </file>
 
@@ -3338,7 +3268,7 @@
           <a:lstStyle/>
           <a:p>
             <a:r>
-              <a:rPr lang="en-US" smtClean="0"/>
+              <a:rPr lang="en-US"/>
               <a:t>Click to edit Master title style</a:t>
             </a:r>
             <a:endParaRPr lang="en-CA"/>
@@ -3367,35 +3297,35 @@
           <a:p>
             <a:pPr lvl="0"/>
             <a:r>
-              <a:rPr lang="en-US" smtClean="0"/>
+              <a:rPr lang="en-US"/>
               <a:t>Click to edit Master text styles</a:t>
             </a:r>
           </a:p>
           <a:p>
             <a:pPr lvl="1"/>
             <a:r>
-              <a:rPr lang="en-US" smtClean="0"/>
+              <a:rPr lang="en-US"/>
               <a:t>Second level</a:t>
             </a:r>
           </a:p>
           <a:p>
             <a:pPr lvl="2"/>
             <a:r>
-              <a:rPr lang="en-US" smtClean="0"/>
+              <a:rPr lang="en-US"/>
               <a:t>Third level</a:t>
             </a:r>
           </a:p>
           <a:p>
             <a:pPr lvl="3"/>
             <a:r>
-              <a:rPr lang="en-US" smtClean="0"/>
+              <a:rPr lang="en-US"/>
               <a:t>Fourth level</a:t>
             </a:r>
           </a:p>
           <a:p>
             <a:pPr lvl="4"/>
             <a:r>
-              <a:rPr lang="en-US" smtClean="0"/>
+              <a:rPr lang="en-US"/>
               <a:t>Fifth level</a:t>
             </a:r>
             <a:endParaRPr lang="en-CA"/>
@@ -3424,35 +3354,35 @@
           <a:p>
             <a:pPr lvl="0"/>
             <a:r>
-              <a:rPr lang="en-US" smtClean="0"/>
+              <a:rPr lang="en-US"/>
               <a:t>Click to edit Master text styles</a:t>
             </a:r>
           </a:p>
           <a:p>
             <a:pPr lvl="1"/>
             <a:r>
-              <a:rPr lang="en-US" smtClean="0"/>
+              <a:rPr lang="en-US"/>
               <a:t>Second level</a:t>
             </a:r>
           </a:p>
           <a:p>
             <a:pPr lvl="2"/>
             <a:r>
-              <a:rPr lang="en-US" smtClean="0"/>
+              <a:rPr lang="en-US"/>
               <a:t>Third level</a:t>
             </a:r>
           </a:p>
           <a:p>
             <a:pPr lvl="3"/>
             <a:r>
-              <a:rPr lang="en-US" smtClean="0"/>
+              <a:rPr lang="en-US"/>
               <a:t>Fourth level</a:t>
             </a:r>
           </a:p>
           <a:p>
             <a:pPr lvl="4"/>
             <a:r>
-              <a:rPr lang="en-US" smtClean="0"/>
+              <a:rPr lang="en-US"/>
               <a:t>Fifth level</a:t>
             </a:r>
             <a:endParaRPr lang="en-CA"/>
@@ -3481,35 +3411,35 @@
           <a:p>
             <a:pPr lvl="0"/>
             <a:r>
-              <a:rPr lang="en-US" smtClean="0"/>
+              <a:rPr lang="en-US"/>
               <a:t>Click to edit Master text styles</a:t>
             </a:r>
           </a:p>
           <a:p>
             <a:pPr lvl="1"/>
             <a:r>
-              <a:rPr lang="en-US" smtClean="0"/>
+              <a:rPr lang="en-US"/>
               <a:t>Second level</a:t>
             </a:r>
           </a:p>
           <a:p>
             <a:pPr lvl="2"/>
             <a:r>
-              <a:rPr lang="en-US" smtClean="0"/>
+              <a:rPr lang="en-US"/>
               <a:t>Third level</a:t>
             </a:r>
           </a:p>
           <a:p>
             <a:pPr lvl="3"/>
             <a:r>
-              <a:rPr lang="en-US" smtClean="0"/>
+              <a:rPr lang="en-US"/>
               <a:t>Fourth level</a:t>
             </a:r>
           </a:p>
           <a:p>
             <a:pPr lvl="4"/>
             <a:r>
-              <a:rPr lang="en-US" smtClean="0"/>
+              <a:rPr lang="en-US"/>
               <a:t>Fifth level</a:t>
             </a:r>
             <a:endParaRPr lang="en-CA"/>
@@ -3626,13 +3556,6 @@
   <p:clrMapOvr>
     <a:masterClrMapping/>
   </p:clrMapOvr>
-  <p:timing>
-    <p:tnLst>
-      <p:par>
-        <p:cTn id="1" dur="indefinite" restart="never" nodeType="tmRoot"/>
-      </p:par>
-    </p:tnLst>
-  </p:timing>
 </p:sldLayout>
 </file>
 
@@ -3669,7 +3592,7 @@
           <a:lstStyle/>
           <a:p>
             <a:r>
-              <a:rPr lang="en-US" smtClean="0"/>
+              <a:rPr lang="en-US"/>
               <a:t>Click to edit Master title style</a:t>
             </a:r>
             <a:endParaRPr lang="en-CA" dirty="0"/>
@@ -3693,35 +3616,35 @@
           <a:p>
             <a:pPr lvl="0"/>
             <a:r>
-              <a:rPr lang="en-US" smtClean="0"/>
+              <a:rPr lang="en-US"/>
               <a:t>Click to edit Master text styles</a:t>
             </a:r>
           </a:p>
           <a:p>
             <a:pPr lvl="1"/>
             <a:r>
-              <a:rPr lang="en-US" smtClean="0"/>
+              <a:rPr lang="en-US"/>
               <a:t>Second level</a:t>
             </a:r>
           </a:p>
           <a:p>
             <a:pPr lvl="2"/>
             <a:r>
-              <a:rPr lang="en-US" smtClean="0"/>
+              <a:rPr lang="en-US"/>
               <a:t>Third level</a:t>
             </a:r>
           </a:p>
           <a:p>
             <a:pPr lvl="3"/>
             <a:r>
-              <a:rPr lang="en-US" smtClean="0"/>
+              <a:rPr lang="en-US"/>
               <a:t>Fourth level</a:t>
             </a:r>
           </a:p>
           <a:p>
             <a:pPr lvl="4"/>
             <a:r>
-              <a:rPr lang="en-US" smtClean="0"/>
+              <a:rPr lang="en-US"/>
               <a:t>Fifth level</a:t>
             </a:r>
             <a:endParaRPr lang="en-CA" dirty="0"/>
@@ -3812,13 +3735,6 @@
   <p:clrMapOvr>
     <a:masterClrMapping/>
   </p:clrMapOvr>
-  <p:timing>
-    <p:tnLst>
-      <p:par>
-        <p:cTn id="1" dur="indefinite" restart="never" nodeType="tmRoot"/>
-      </p:par>
-    </p:tnLst>
-  </p:timing>
 </p:sldLayout>
 </file>
 
@@ -4349,10 +4265,9 @@
           </a:lstStyle>
           <a:p>
             <a:r>
-              <a:rPr lang="en-US" smtClean="0"/>
+              <a:rPr lang="en-US"/>
               <a:t>Click to edit Master title style</a:t>
             </a:r>
-            <a:endParaRPr lang="en-US"/>
           </a:p>
         </p:txBody>
       </p:sp>
@@ -4414,10 +4329,9 @@
           </a:lstStyle>
           <a:p>
             <a:r>
-              <a:rPr lang="en-US" smtClean="0"/>
+              <a:rPr lang="en-US"/>
               <a:t>Click to edit Master subtitle style</a:t>
             </a:r>
-            <a:endParaRPr lang="en-US"/>
           </a:p>
         </p:txBody>
       </p:sp>
@@ -4553,10 +4467,9 @@
           <a:lstStyle/>
           <a:p>
             <a:r>
-              <a:rPr lang="en-US" smtClean="0"/>
+              <a:rPr lang="en-US"/>
               <a:t>Click to edit Master title style</a:t>
             </a:r>
-            <a:endParaRPr lang="en-US"/>
           </a:p>
         </p:txBody>
       </p:sp>
@@ -4577,38 +4490,37 @@
           <a:p>
             <a:pPr lvl="0"/>
             <a:r>
-              <a:rPr lang="en-US" smtClean="0"/>
+              <a:rPr lang="en-US"/>
               <a:t>Click to edit Master text styles</a:t>
             </a:r>
           </a:p>
           <a:p>
             <a:pPr lvl="1"/>
             <a:r>
-              <a:rPr lang="en-US" smtClean="0"/>
+              <a:rPr lang="en-US"/>
               <a:t>Second level</a:t>
             </a:r>
           </a:p>
           <a:p>
             <a:pPr lvl="2"/>
             <a:r>
-              <a:rPr lang="en-US" smtClean="0"/>
+              <a:rPr lang="en-US"/>
               <a:t>Third level</a:t>
             </a:r>
           </a:p>
           <a:p>
             <a:pPr lvl="3"/>
             <a:r>
-              <a:rPr lang="en-US" smtClean="0"/>
+              <a:rPr lang="en-US"/>
               <a:t>Fourth level</a:t>
             </a:r>
           </a:p>
           <a:p>
             <a:pPr lvl="4"/>
             <a:r>
-              <a:rPr lang="en-US" smtClean="0"/>
+              <a:rPr lang="en-US"/>
               <a:t>Fifth level</a:t>
             </a:r>
-            <a:endParaRPr lang="en-US"/>
           </a:p>
         </p:txBody>
       </p:sp>
@@ -4753,10 +4665,9 @@
           </a:lstStyle>
           <a:p>
             <a:r>
-              <a:rPr lang="en-US" smtClean="0"/>
+              <a:rPr lang="en-US"/>
               <a:t>Click to edit Master title style</a:t>
             </a:r>
-            <a:endParaRPr lang="en-US"/>
           </a:p>
         </p:txBody>
       </p:sp>
@@ -4873,7 +4784,7 @@
           <a:p>
             <a:pPr lvl="0"/>
             <a:r>
-              <a:rPr lang="en-US" smtClean="0"/>
+              <a:rPr lang="en-US"/>
               <a:t>Click to edit Master text styles</a:t>
             </a:r>
           </a:p>
@@ -5011,10 +4922,9 @@
           <a:lstStyle/>
           <a:p>
             <a:r>
-              <a:rPr lang="en-US" smtClean="0"/>
+              <a:rPr lang="en-US"/>
               <a:t>Click to edit Master title style</a:t>
             </a:r>
-            <a:endParaRPr lang="en-US"/>
           </a:p>
         </p:txBody>
       </p:sp>
@@ -5040,38 +4950,37 @@
           <a:p>
             <a:pPr lvl="0"/>
             <a:r>
-              <a:rPr lang="en-US" smtClean="0"/>
+              <a:rPr lang="en-US"/>
               <a:t>Click to edit Master text styles</a:t>
             </a:r>
           </a:p>
           <a:p>
             <a:pPr lvl="1"/>
             <a:r>
-              <a:rPr lang="en-US" smtClean="0"/>
+              <a:rPr lang="en-US"/>
               <a:t>Second level</a:t>
             </a:r>
           </a:p>
           <a:p>
             <a:pPr lvl="2"/>
             <a:r>
-              <a:rPr lang="en-US" smtClean="0"/>
+              <a:rPr lang="en-US"/>
               <a:t>Third level</a:t>
             </a:r>
           </a:p>
           <a:p>
             <a:pPr lvl="3"/>
             <a:r>
-              <a:rPr lang="en-US" smtClean="0"/>
+              <a:rPr lang="en-US"/>
               <a:t>Fourth level</a:t>
             </a:r>
           </a:p>
           <a:p>
             <a:pPr lvl="4"/>
             <a:r>
-              <a:rPr lang="en-US" smtClean="0"/>
+              <a:rPr lang="en-US"/>
               <a:t>Fifth level</a:t>
             </a:r>
-            <a:endParaRPr lang="en-US"/>
           </a:p>
         </p:txBody>
       </p:sp>
@@ -5097,38 +5006,37 @@
           <a:p>
             <a:pPr lvl="0"/>
             <a:r>
-              <a:rPr lang="en-US" smtClean="0"/>
+              <a:rPr lang="en-US"/>
               <a:t>Click to edit Master text styles</a:t>
             </a:r>
           </a:p>
           <a:p>
             <a:pPr lvl="1"/>
             <a:r>
-              <a:rPr lang="en-US" smtClean="0"/>
+              <a:rPr lang="en-US"/>
               <a:t>Second level</a:t>
             </a:r>
           </a:p>
           <a:p>
             <a:pPr lvl="2"/>
             <a:r>
-              <a:rPr lang="en-US" smtClean="0"/>
+              <a:rPr lang="en-US"/>
               <a:t>Third level</a:t>
             </a:r>
           </a:p>
           <a:p>
             <a:pPr lvl="3"/>
             <a:r>
-              <a:rPr lang="en-US" smtClean="0"/>
+              <a:rPr lang="en-US"/>
               <a:t>Fourth level</a:t>
             </a:r>
           </a:p>
           <a:p>
             <a:pPr lvl="4"/>
             <a:r>
-              <a:rPr lang="en-US" smtClean="0"/>
+              <a:rPr lang="en-US"/>
               <a:t>Fifth level</a:t>
             </a:r>
-            <a:endParaRPr lang="en-US"/>
           </a:p>
         </p:txBody>
       </p:sp>
@@ -5269,10 +5177,9 @@
           <a:lstStyle/>
           <a:p>
             <a:r>
-              <a:rPr lang="en-US" smtClean="0"/>
+              <a:rPr lang="en-US"/>
               <a:t>Click to edit Master title style</a:t>
             </a:r>
-            <a:endParaRPr lang="en-US"/>
           </a:p>
         </p:txBody>
       </p:sp>
@@ -5335,7 +5242,7 @@
           <a:p>
             <a:pPr lvl="0"/>
             <a:r>
-              <a:rPr lang="en-US" smtClean="0"/>
+              <a:rPr lang="en-US"/>
               <a:t>Click to edit Master text styles</a:t>
             </a:r>
           </a:p>
@@ -5363,38 +5270,37 @@
           <a:p>
             <a:pPr lvl="0"/>
             <a:r>
-              <a:rPr lang="en-US" smtClean="0"/>
+              <a:rPr lang="en-US"/>
               <a:t>Click to edit Master text styles</a:t>
             </a:r>
           </a:p>
           <a:p>
             <a:pPr lvl="1"/>
             <a:r>
-              <a:rPr lang="en-US" smtClean="0"/>
+              <a:rPr lang="en-US"/>
               <a:t>Second level</a:t>
             </a:r>
           </a:p>
           <a:p>
             <a:pPr lvl="2"/>
             <a:r>
-              <a:rPr lang="en-US" smtClean="0"/>
+              <a:rPr lang="en-US"/>
               <a:t>Third level</a:t>
             </a:r>
           </a:p>
           <a:p>
             <a:pPr lvl="3"/>
             <a:r>
-              <a:rPr lang="en-US" smtClean="0"/>
+              <a:rPr lang="en-US"/>
               <a:t>Fourth level</a:t>
             </a:r>
           </a:p>
           <a:p>
             <a:pPr lvl="4"/>
             <a:r>
-              <a:rPr lang="en-US" smtClean="0"/>
+              <a:rPr lang="en-US"/>
               <a:t>Fifth level</a:t>
             </a:r>
-            <a:endParaRPr lang="en-US"/>
           </a:p>
         </p:txBody>
       </p:sp>
@@ -5457,7 +5363,7 @@
           <a:p>
             <a:pPr lvl="0"/>
             <a:r>
-              <a:rPr lang="en-US" smtClean="0"/>
+              <a:rPr lang="en-US"/>
               <a:t>Click to edit Master text styles</a:t>
             </a:r>
           </a:p>
@@ -5485,38 +5391,37 @@
           <a:p>
             <a:pPr lvl="0"/>
             <a:r>
-              <a:rPr lang="en-US" smtClean="0"/>
+              <a:rPr lang="en-US"/>
               <a:t>Click to edit Master text styles</a:t>
             </a:r>
           </a:p>
           <a:p>
             <a:pPr lvl="1"/>
             <a:r>
-              <a:rPr lang="en-US" smtClean="0"/>
+              <a:rPr lang="en-US"/>
               <a:t>Second level</a:t>
             </a:r>
           </a:p>
           <a:p>
             <a:pPr lvl="2"/>
             <a:r>
-              <a:rPr lang="en-US" smtClean="0"/>
+              <a:rPr lang="en-US"/>
               <a:t>Third level</a:t>
             </a:r>
           </a:p>
           <a:p>
             <a:pPr lvl="3"/>
             <a:r>
-              <a:rPr lang="en-US" smtClean="0"/>
+              <a:rPr lang="en-US"/>
               <a:t>Fourth level</a:t>
             </a:r>
           </a:p>
           <a:p>
             <a:pPr lvl="4"/>
             <a:r>
-              <a:rPr lang="en-US" smtClean="0"/>
+              <a:rPr lang="en-US"/>
               <a:t>Fifth level</a:t>
             </a:r>
-            <a:endParaRPr lang="en-US"/>
           </a:p>
         </p:txBody>
       </p:sp>
@@ -5652,10 +5557,9 @@
           <a:lstStyle/>
           <a:p>
             <a:r>
-              <a:rPr lang="en-US" smtClean="0"/>
+              <a:rPr lang="en-US"/>
               <a:t>Click to edit Master title style</a:t>
             </a:r>
-            <a:endParaRPr lang="en-US"/>
           </a:p>
         </p:txBody>
       </p:sp>
@@ -5916,10 +5820,9 @@
           </a:lstStyle>
           <a:p>
             <a:r>
-              <a:rPr lang="en-US" smtClean="0"/>
+              <a:rPr lang="en-US"/>
               <a:t>Click to edit Master title style</a:t>
             </a:r>
-            <a:endParaRPr lang="en-US"/>
           </a:p>
         </p:txBody>
       </p:sp>
@@ -5973,38 +5876,37 @@
           <a:p>
             <a:pPr lvl="0"/>
             <a:r>
-              <a:rPr lang="en-US" smtClean="0"/>
+              <a:rPr lang="en-US"/>
               <a:t>Click to edit Master text styles</a:t>
             </a:r>
           </a:p>
           <a:p>
             <a:pPr lvl="1"/>
             <a:r>
-              <a:rPr lang="en-US" smtClean="0"/>
+              <a:rPr lang="en-US"/>
               <a:t>Second level</a:t>
             </a:r>
           </a:p>
           <a:p>
             <a:pPr lvl="2"/>
             <a:r>
-              <a:rPr lang="en-US" smtClean="0"/>
+              <a:rPr lang="en-US"/>
               <a:t>Third level</a:t>
             </a:r>
           </a:p>
           <a:p>
             <a:pPr lvl="3"/>
             <a:r>
-              <a:rPr lang="en-US" smtClean="0"/>
+              <a:rPr lang="en-US"/>
               <a:t>Fourth level</a:t>
             </a:r>
           </a:p>
           <a:p>
             <a:pPr lvl="4"/>
             <a:r>
-              <a:rPr lang="en-US" smtClean="0"/>
+              <a:rPr lang="en-US"/>
               <a:t>Fifth level</a:t>
             </a:r>
-            <a:endParaRPr lang="en-US"/>
           </a:p>
         </p:txBody>
       </p:sp>
@@ -6067,7 +5969,7 @@
           <a:p>
             <a:pPr lvl="0"/>
             <a:r>
-              <a:rPr lang="en-US" smtClean="0"/>
+              <a:rPr lang="en-US"/>
               <a:t>Click to edit Master text styles</a:t>
             </a:r>
           </a:p>
@@ -6214,10 +6116,9 @@
           </a:lstStyle>
           <a:p>
             <a:r>
-              <a:rPr lang="en-US" smtClean="0"/>
+              <a:rPr lang="en-US"/>
               <a:t>Click to edit Master title style</a:t>
             </a:r>
-            <a:endParaRPr lang="en-US"/>
           </a:p>
         </p:txBody>
       </p:sp>
@@ -6279,10 +6180,9 @@
           </a:lstStyle>
           <a:p>
             <a:r>
-              <a:rPr lang="en-US" smtClean="0"/>
+              <a:rPr lang="en-US"/>
               <a:t>Click icon to add picture</a:t>
             </a:r>
-            <a:endParaRPr lang="en-US"/>
           </a:p>
         </p:txBody>
       </p:sp>
@@ -6345,7 +6245,7 @@
           <a:p>
             <a:pPr lvl="0"/>
             <a:r>
-              <a:rPr lang="en-US" smtClean="0"/>
+              <a:rPr lang="en-US"/>
               <a:t>Click to edit Master text styles</a:t>
             </a:r>
           </a:p>
@@ -6492,7 +6392,7 @@
           </a:lstStyle>
           <a:p>
             <a:r>
-              <a:rPr lang="en-US" smtClean="0"/>
+              <a:rPr lang="en-US"/>
               <a:t>Click to edit Master title style</a:t>
             </a:r>
             <a:endParaRPr lang="en-CA"/>
@@ -6558,7 +6458,7 @@
           <a:p>
             <a:pPr lvl="0"/>
             <a:r>
-              <a:rPr lang="en-US" smtClean="0"/>
+              <a:rPr lang="en-US"/>
               <a:t>Click to edit Master text styles</a:t>
             </a:r>
           </a:p>
@@ -6669,13 +6569,6 @@
   <p:clrMapOvr>
     <a:masterClrMapping/>
   </p:clrMapOvr>
-  <p:timing>
-    <p:tnLst>
-      <p:par>
-        <p:cTn id="1" dur="indefinite" restart="never" nodeType="tmRoot"/>
-      </p:par>
-    </p:tnLst>
-  </p:timing>
 </p:sldLayout>
 </file>
 
@@ -6712,10 +6605,9 @@
           <a:lstStyle/>
           <a:p>
             <a:r>
-              <a:rPr lang="en-US" smtClean="0"/>
+              <a:rPr lang="en-US"/>
               <a:t>Click to edit Master title style</a:t>
             </a:r>
-            <a:endParaRPr lang="en-US"/>
           </a:p>
         </p:txBody>
       </p:sp>
@@ -6736,38 +6628,37 @@
           <a:p>
             <a:pPr lvl="0"/>
             <a:r>
-              <a:rPr lang="en-US" smtClean="0"/>
+              <a:rPr lang="en-US"/>
               <a:t>Click to edit Master text styles</a:t>
             </a:r>
           </a:p>
           <a:p>
             <a:pPr lvl="1"/>
             <a:r>
-              <a:rPr lang="en-US" smtClean="0"/>
+              <a:rPr lang="en-US"/>
               <a:t>Second level</a:t>
             </a:r>
           </a:p>
           <a:p>
             <a:pPr lvl="2"/>
             <a:r>
-              <a:rPr lang="en-US" smtClean="0"/>
+              <a:rPr lang="en-US"/>
               <a:t>Third level</a:t>
             </a:r>
           </a:p>
           <a:p>
             <a:pPr lvl="3"/>
             <a:r>
-              <a:rPr lang="en-US" smtClean="0"/>
+              <a:rPr lang="en-US"/>
               <a:t>Fourth level</a:t>
             </a:r>
           </a:p>
           <a:p>
             <a:pPr lvl="4"/>
             <a:r>
-              <a:rPr lang="en-US" smtClean="0"/>
+              <a:rPr lang="en-US"/>
               <a:t>Fifth level</a:t>
             </a:r>
-            <a:endParaRPr lang="en-US"/>
           </a:p>
         </p:txBody>
       </p:sp>
@@ -6908,10 +6799,9 @@
           <a:lstStyle/>
           <a:p>
             <a:r>
-              <a:rPr lang="en-US" smtClean="0"/>
+              <a:rPr lang="en-US"/>
               <a:t>Click to edit Master title style</a:t>
             </a:r>
-            <a:endParaRPr lang="en-US"/>
           </a:p>
         </p:txBody>
       </p:sp>
@@ -6937,38 +6827,37 @@
           <a:p>
             <a:pPr lvl="0"/>
             <a:r>
-              <a:rPr lang="en-US" smtClean="0"/>
+              <a:rPr lang="en-US"/>
               <a:t>Click to edit Master text styles</a:t>
             </a:r>
           </a:p>
           <a:p>
             <a:pPr lvl="1"/>
             <a:r>
-              <a:rPr lang="en-US" smtClean="0"/>
+              <a:rPr lang="en-US"/>
               <a:t>Second level</a:t>
             </a:r>
           </a:p>
           <a:p>
             <a:pPr lvl="2"/>
             <a:r>
-              <a:rPr lang="en-US" smtClean="0"/>
+              <a:rPr lang="en-US"/>
               <a:t>Third level</a:t>
             </a:r>
           </a:p>
           <a:p>
             <a:pPr lvl="3"/>
             <a:r>
-              <a:rPr lang="en-US" smtClean="0"/>
+              <a:rPr lang="en-US"/>
               <a:t>Fourth level</a:t>
             </a:r>
           </a:p>
           <a:p>
             <a:pPr lvl="4"/>
             <a:r>
-              <a:rPr lang="en-US" smtClean="0"/>
+              <a:rPr lang="en-US"/>
               <a:t>Fifth level</a:t>
             </a:r>
-            <a:endParaRPr lang="en-US"/>
           </a:p>
         </p:txBody>
       </p:sp>
@@ -7104,7 +6993,7 @@
           <a:lstStyle/>
           <a:p>
             <a:r>
-              <a:rPr lang="en-US" smtClean="0"/>
+              <a:rPr lang="en-US"/>
               <a:t>Click to edit Master title style</a:t>
             </a:r>
             <a:endParaRPr lang="en-CA"/>
@@ -7161,35 +7050,35 @@
           <a:p>
             <a:pPr lvl="0"/>
             <a:r>
-              <a:rPr lang="en-US" smtClean="0"/>
+              <a:rPr lang="en-US"/>
               <a:t>Click to edit Master text styles</a:t>
             </a:r>
           </a:p>
           <a:p>
             <a:pPr lvl="1"/>
             <a:r>
-              <a:rPr lang="en-US" smtClean="0"/>
+              <a:rPr lang="en-US"/>
               <a:t>Second level</a:t>
             </a:r>
           </a:p>
           <a:p>
             <a:pPr lvl="2"/>
             <a:r>
-              <a:rPr lang="en-US" smtClean="0"/>
+              <a:rPr lang="en-US"/>
               <a:t>Third level</a:t>
             </a:r>
           </a:p>
           <a:p>
             <a:pPr lvl="3"/>
             <a:r>
-              <a:rPr lang="en-US" smtClean="0"/>
+              <a:rPr lang="en-US"/>
               <a:t>Fourth level</a:t>
             </a:r>
           </a:p>
           <a:p>
             <a:pPr lvl="4"/>
             <a:r>
-              <a:rPr lang="en-US" smtClean="0"/>
+              <a:rPr lang="en-US"/>
               <a:t>Fifth level</a:t>
             </a:r>
             <a:endParaRPr lang="en-CA"/>
@@ -7246,35 +7135,35 @@
           <a:p>
             <a:pPr lvl="0"/>
             <a:r>
-              <a:rPr lang="en-US" smtClean="0"/>
+              <a:rPr lang="en-US"/>
               <a:t>Click to edit Master text styles</a:t>
             </a:r>
           </a:p>
           <a:p>
             <a:pPr lvl="1"/>
             <a:r>
-              <a:rPr lang="en-US" smtClean="0"/>
+              <a:rPr lang="en-US"/>
               <a:t>Second level</a:t>
             </a:r>
           </a:p>
           <a:p>
             <a:pPr lvl="2"/>
             <a:r>
-              <a:rPr lang="en-US" smtClean="0"/>
+              <a:rPr lang="en-US"/>
               <a:t>Third level</a:t>
             </a:r>
           </a:p>
           <a:p>
             <a:pPr lvl="3"/>
             <a:r>
-              <a:rPr lang="en-US" smtClean="0"/>
+              <a:rPr lang="en-US"/>
               <a:t>Fourth level</a:t>
             </a:r>
           </a:p>
           <a:p>
             <a:pPr lvl="4"/>
             <a:r>
-              <a:rPr lang="en-US" smtClean="0"/>
+              <a:rPr lang="en-US"/>
               <a:t>Fifth level</a:t>
             </a:r>
             <a:endParaRPr lang="en-CA"/>
@@ -7386,13 +7275,6 @@
   <p:clrMapOvr>
     <a:masterClrMapping/>
   </p:clrMapOvr>
-  <p:timing>
-    <p:tnLst>
-      <p:par>
-        <p:cTn id="1" dur="indefinite" restart="never" nodeType="tmRoot"/>
-      </p:par>
-    </p:tnLst>
-  </p:timing>
 </p:sldLayout>
 </file>
 
@@ -7438,7 +7320,7 @@
           </a:lstStyle>
           <a:p>
             <a:r>
-              <a:rPr lang="en-US" smtClean="0"/>
+              <a:rPr lang="en-US"/>
               <a:t>Click to edit Master title style</a:t>
             </a:r>
             <a:endParaRPr lang="en-CA"/>
@@ -7504,7 +7386,7 @@
           <a:p>
             <a:pPr lvl="0"/>
             <a:r>
-              <a:rPr lang="en-US" smtClean="0"/>
+              <a:rPr lang="en-US"/>
               <a:t>Click to edit Master text styles</a:t>
             </a:r>
           </a:p>
@@ -7560,35 +7442,35 @@
           <a:p>
             <a:pPr lvl="0"/>
             <a:r>
-              <a:rPr lang="en-US" smtClean="0"/>
+              <a:rPr lang="en-US"/>
               <a:t>Click to edit Master text styles</a:t>
             </a:r>
           </a:p>
           <a:p>
             <a:pPr lvl="1"/>
             <a:r>
-              <a:rPr lang="en-US" smtClean="0"/>
+              <a:rPr lang="en-US"/>
               <a:t>Second level</a:t>
             </a:r>
           </a:p>
           <a:p>
             <a:pPr lvl="2"/>
             <a:r>
-              <a:rPr lang="en-US" smtClean="0"/>
+              <a:rPr lang="en-US"/>
               <a:t>Third level</a:t>
             </a:r>
           </a:p>
           <a:p>
             <a:pPr lvl="3"/>
             <a:r>
-              <a:rPr lang="en-US" smtClean="0"/>
+              <a:rPr lang="en-US"/>
               <a:t>Fourth level</a:t>
             </a:r>
           </a:p>
           <a:p>
             <a:pPr lvl="4"/>
             <a:r>
-              <a:rPr lang="en-US" smtClean="0"/>
+              <a:rPr lang="en-US"/>
               <a:t>Fifth level</a:t>
             </a:r>
             <a:endParaRPr lang="en-CA"/>
@@ -7654,7 +7536,7 @@
           <a:p>
             <a:pPr lvl="0"/>
             <a:r>
-              <a:rPr lang="en-US" smtClean="0"/>
+              <a:rPr lang="en-US"/>
               <a:t>Click to edit Master text styles</a:t>
             </a:r>
           </a:p>
@@ -7710,35 +7592,35 @@
           <a:p>
             <a:pPr lvl="0"/>
             <a:r>
-              <a:rPr lang="en-US" smtClean="0"/>
+              <a:rPr lang="en-US"/>
               <a:t>Click to edit Master text styles</a:t>
             </a:r>
           </a:p>
           <a:p>
             <a:pPr lvl="1"/>
             <a:r>
-              <a:rPr lang="en-US" smtClean="0"/>
+              <a:rPr lang="en-US"/>
               <a:t>Second level</a:t>
             </a:r>
           </a:p>
           <a:p>
             <a:pPr lvl="2"/>
             <a:r>
-              <a:rPr lang="en-US" smtClean="0"/>
+              <a:rPr lang="en-US"/>
               <a:t>Third level</a:t>
             </a:r>
           </a:p>
           <a:p>
             <a:pPr lvl="3"/>
             <a:r>
-              <a:rPr lang="en-US" smtClean="0"/>
+              <a:rPr lang="en-US"/>
               <a:t>Fourth level</a:t>
             </a:r>
           </a:p>
           <a:p>
             <a:pPr lvl="4"/>
             <a:r>
-              <a:rPr lang="en-US" smtClean="0"/>
+              <a:rPr lang="en-US"/>
               <a:t>Fifth level</a:t>
             </a:r>
             <a:endParaRPr lang="en-CA"/>
@@ -7850,13 +7732,6 @@
   <p:clrMapOvr>
     <a:masterClrMapping/>
   </p:clrMapOvr>
-  <p:timing>
-    <p:tnLst>
-      <p:par>
-        <p:cTn id="1" dur="indefinite" restart="never" nodeType="tmRoot"/>
-      </p:par>
-    </p:tnLst>
-  </p:timing>
 </p:sldLayout>
 </file>
 
@@ -7893,7 +7768,7 @@
           <a:lstStyle/>
           <a:p>
             <a:r>
-              <a:rPr lang="en-US" smtClean="0"/>
+              <a:rPr lang="en-US"/>
               <a:t>Click to edit Master title style</a:t>
             </a:r>
             <a:endParaRPr lang="en-CA"/>
@@ -8005,13 +7880,6 @@
   <p:clrMapOvr>
     <a:masterClrMapping/>
   </p:clrMapOvr>
-  <p:timing>
-    <p:tnLst>
-      <p:par>
-        <p:cTn id="1" dur="indefinite" restart="never" nodeType="tmRoot"/>
-      </p:par>
-    </p:tnLst>
-  </p:timing>
 </p:sldLayout>
 </file>
 
@@ -8137,13 +8005,6 @@
   <p:clrMapOvr>
     <a:masterClrMapping/>
   </p:clrMapOvr>
-  <p:timing>
-    <p:tnLst>
-      <p:par>
-        <p:cTn id="1" dur="indefinite" restart="never" nodeType="tmRoot"/>
-      </p:par>
-    </p:tnLst>
-  </p:timing>
 </p:sldLayout>
 </file>
 
@@ -8189,7 +8050,7 @@
           </a:lstStyle>
           <a:p>
             <a:r>
-              <a:rPr lang="en-US" smtClean="0"/>
+              <a:rPr lang="en-US"/>
               <a:t>Click to edit Master title style</a:t>
             </a:r>
             <a:endParaRPr lang="en-CA"/>
@@ -8246,35 +8107,35 @@
           <a:p>
             <a:pPr lvl="0"/>
             <a:r>
-              <a:rPr lang="en-US" smtClean="0"/>
+              <a:rPr lang="en-US"/>
               <a:t>Click to edit Master text styles</a:t>
             </a:r>
           </a:p>
           <a:p>
             <a:pPr lvl="1"/>
             <a:r>
-              <a:rPr lang="en-US" smtClean="0"/>
+              <a:rPr lang="en-US"/>
               <a:t>Second level</a:t>
             </a:r>
           </a:p>
           <a:p>
             <a:pPr lvl="2"/>
             <a:r>
-              <a:rPr lang="en-US" smtClean="0"/>
+              <a:rPr lang="en-US"/>
               <a:t>Third level</a:t>
             </a:r>
           </a:p>
           <a:p>
             <a:pPr lvl="3"/>
             <a:r>
-              <a:rPr lang="en-US" smtClean="0"/>
+              <a:rPr lang="en-US"/>
               <a:t>Fourth level</a:t>
             </a:r>
           </a:p>
           <a:p>
             <a:pPr lvl="4"/>
             <a:r>
-              <a:rPr lang="en-US" smtClean="0"/>
+              <a:rPr lang="en-US"/>
               <a:t>Fifth level</a:t>
             </a:r>
             <a:endParaRPr lang="en-CA"/>
@@ -8340,7 +8201,7 @@
           <a:p>
             <a:pPr lvl="0"/>
             <a:r>
-              <a:rPr lang="en-US" smtClean="0"/>
+              <a:rPr lang="en-US"/>
               <a:t>Click to edit Master text styles</a:t>
             </a:r>
           </a:p>
@@ -8451,13 +8312,6 @@
   <p:clrMapOvr>
     <a:masterClrMapping/>
   </p:clrMapOvr>
-  <p:timing>
-    <p:tnLst>
-      <p:par>
-        <p:cTn id="1" dur="indefinite" restart="never" nodeType="tmRoot"/>
-      </p:par>
-    </p:tnLst>
-  </p:timing>
 </p:sldLayout>
 </file>
 
@@ -8503,7 +8357,7 @@
           </a:lstStyle>
           <a:p>
             <a:r>
-              <a:rPr lang="en-US" smtClean="0"/>
+              <a:rPr lang="en-US"/>
               <a:t>Click to edit Master title style</a:t>
             </a:r>
             <a:endParaRPr lang="en-CA"/>
@@ -8568,7 +8422,7 @@
           </a:lstStyle>
           <a:p>
             <a:r>
-              <a:rPr lang="en-US" smtClean="0"/>
+              <a:rPr lang="en-US"/>
               <a:t>Click icon to add picture</a:t>
             </a:r>
             <a:endParaRPr lang="en-CA"/>
@@ -8634,7 +8488,7 @@
           <a:p>
             <a:pPr lvl="0"/>
             <a:r>
-              <a:rPr lang="en-US" smtClean="0"/>
+              <a:rPr lang="en-US"/>
               <a:t>Click to edit Master text styles</a:t>
             </a:r>
           </a:p>
@@ -8745,13 +8599,6 @@
   <p:clrMapOvr>
     <a:masterClrMapping/>
   </p:clrMapOvr>
-  <p:timing>
-    <p:tnLst>
-      <p:par>
-        <p:cTn id="1" dur="indefinite" restart="never" nodeType="tmRoot"/>
-      </p:par>
-    </p:tnLst>
-  </p:timing>
 </p:sldLayout>
 </file>
 
@@ -8852,10 +8699,10 @@
           <a:p>
             <a:pPr lvl="0"/>
             <a:r>
-              <a:rPr lang="en-US" smtClean="0"/>
+              <a:rPr lang="en-US"/>
               <a:t>Click to edit Master title style</a:t>
             </a:r>
-            <a:endParaRPr lang="en-CA" dirty="0" smtClean="0"/>
+            <a:endParaRPr lang="en-CA" dirty="0"/>
           </a:p>
         </p:txBody>
       </p:sp>
@@ -8896,38 +8743,38 @@
           <a:p>
             <a:pPr lvl="0"/>
             <a:r>
-              <a:rPr lang="en-US" smtClean="0"/>
+              <a:rPr lang="en-US"/>
               <a:t>Click to edit Master text styles</a:t>
             </a:r>
           </a:p>
           <a:p>
             <a:pPr lvl="1"/>
             <a:r>
-              <a:rPr lang="en-US" smtClean="0"/>
+              <a:rPr lang="en-US"/>
               <a:t>Second level</a:t>
             </a:r>
           </a:p>
           <a:p>
             <a:pPr lvl="2"/>
             <a:r>
-              <a:rPr lang="en-US" smtClean="0"/>
+              <a:rPr lang="en-US"/>
               <a:t>Third level</a:t>
             </a:r>
           </a:p>
           <a:p>
             <a:pPr lvl="3"/>
             <a:r>
-              <a:rPr lang="en-US" smtClean="0"/>
+              <a:rPr lang="en-US"/>
               <a:t>Fourth level</a:t>
             </a:r>
           </a:p>
           <a:p>
             <a:pPr lvl="4"/>
             <a:r>
-              <a:rPr lang="en-US" smtClean="0"/>
+              <a:rPr lang="en-US"/>
               <a:t>Fifth level</a:t>
             </a:r>
-            <a:endParaRPr lang="en-CA" dirty="0" smtClean="0"/>
+            <a:endParaRPr lang="en-CA" dirty="0"/>
           </a:p>
         </p:txBody>
       </p:sp>
@@ -9150,13 +8997,6 @@
     <p:sldLayoutId id="2147483800" r:id="rId19"/>
     <p:sldLayoutId id="2147483656" r:id="rId20"/>
   </p:sldLayoutIdLst>
-  <p:timing>
-    <p:tnLst>
-      <p:par>
-        <p:cTn id="1" dur="indefinite" restart="never" nodeType="tmRoot"/>
-      </p:par>
-    </p:tnLst>
-  </p:timing>
   <p:hf hdr="0" ftr="0" dt="0"/>
   <p:txStyles>
     <p:titleStyle>
@@ -9582,10 +9422,9 @@
           <a:lstStyle/>
           <a:p>
             <a:r>
-              <a:rPr lang="en-US" smtClean="0"/>
+              <a:rPr lang="en-US"/>
               <a:t>Click to edit Master title style</a:t>
             </a:r>
-            <a:endParaRPr lang="en-US"/>
           </a:p>
         </p:txBody>
       </p:sp>
@@ -9616,38 +9455,37 @@
           <a:p>
             <a:pPr lvl="0"/>
             <a:r>
-              <a:rPr lang="en-US" smtClean="0"/>
+              <a:rPr lang="en-US"/>
               <a:t>Click to edit Master text styles</a:t>
             </a:r>
           </a:p>
           <a:p>
             <a:pPr lvl="1"/>
             <a:r>
-              <a:rPr lang="en-US" smtClean="0"/>
+              <a:rPr lang="en-US"/>
               <a:t>Second level</a:t>
             </a:r>
           </a:p>
           <a:p>
             <a:pPr lvl="2"/>
             <a:r>
-              <a:rPr lang="en-US" smtClean="0"/>
+              <a:rPr lang="en-US"/>
               <a:t>Third level</a:t>
             </a:r>
           </a:p>
           <a:p>
             <a:pPr lvl="3"/>
             <a:r>
-              <a:rPr lang="en-US" smtClean="0"/>
+              <a:rPr lang="en-US"/>
               <a:t>Fourth level</a:t>
             </a:r>
           </a:p>
           <a:p>
             <a:pPr lvl="4"/>
             <a:r>
-              <a:rPr lang="en-US" smtClean="0"/>
+              <a:rPr lang="en-US"/>
               <a:t>Fifth level</a:t>
             </a:r>
-            <a:endParaRPr lang="en-US"/>
           </a:p>
         </p:txBody>
       </p:sp>
@@ -10132,10 +9970,9 @@
           <a:p>
             <a:pPr algn="ctr"/>
             <a:r>
-              <a:rPr lang="en-US" sz="3000" dirty="0" smtClean="0"/>
+              <a:rPr lang="en-US" sz="3000" dirty="0"/>
               <a:t>TALK TITLE</a:t>
             </a:r>
-            <a:endParaRPr lang="en-US" sz="3000" dirty="0"/>
           </a:p>
         </p:txBody>
       </p:sp>
@@ -10163,18 +10000,16 @@
           <a:p>
             <a:pPr algn="ctr"/>
             <a:r>
-              <a:rPr lang="en-US" sz="2000" dirty="0" smtClean="0"/>
+              <a:rPr lang="en-US" sz="2000" dirty="0"/>
               <a:t>Author(s)</a:t>
             </a:r>
-            <a:endParaRPr lang="en-US" sz="2000" dirty="0"/>
           </a:p>
           <a:p>
             <a:pPr algn="ctr"/>
             <a:r>
-              <a:rPr lang="en-US" sz="2000" dirty="0" smtClean="0"/>
+              <a:rPr lang="en-US" sz="2000" dirty="0"/>
               <a:t>Date</a:t>
             </a:r>
-            <a:endParaRPr lang="en-US" sz="2000" dirty="0"/>
           </a:p>
         </p:txBody>
       </p:sp>
@@ -10196,13 +10031,6 @@
       <p:transition spd="slow" advTm="30839"/>
     </mc:Fallback>
   </mc:AlternateContent>
-  <p:timing>
-    <p:tnLst>
-      <p:par>
-        <p:cTn id="1" dur="indefinite" restart="never" nodeType="tmRoot"/>
-      </p:par>
-    </p:tnLst>
-  </p:timing>
 </p:sld>
 </file>
 
@@ -10263,10 +10091,9 @@
           <a:lstStyle/>
           <a:p>
             <a:r>
-              <a:rPr lang="en-US" sz="3000" dirty="0" smtClean="0"/>
+              <a:rPr lang="en-US" sz="3000" dirty="0"/>
               <a:t>Slide title</a:t>
             </a:r>
-            <a:endParaRPr lang="en-US" sz="3000" dirty="0"/>
           </a:p>
         </p:txBody>
       </p:sp>
@@ -10303,13 +10130,6 @@
   <p:clrMapOvr>
     <a:masterClrMapping/>
   </p:clrMapOvr>
-  <p:timing>
-    <p:tnLst>
-      <p:par>
-        <p:cTn id="1" dur="indefinite" restart="never" nodeType="tmRoot"/>
-      </p:par>
-    </p:tnLst>
-  </p:timing>
 </p:sld>
 </file>
 
@@ -10346,10 +10166,9 @@
           <a:lstStyle/>
           <a:p>
             <a:r>
-              <a:rPr lang="en-US" sz="3000" dirty="0" smtClean="0"/>
+              <a:rPr lang="en-US" sz="3000" dirty="0"/>
               <a:t>Acknowledgements</a:t>
             </a:r>
-            <a:endParaRPr lang="en-US" sz="3000" dirty="0"/>
           </a:p>
         </p:txBody>
       </p:sp>
@@ -10417,323 +10236,293 @@
           </a:extLst>
         </p:spPr>
       </p:pic>
-      <p:grpSp>
-        <p:nvGrpSpPr>
-          <p:cNvPr id="7" name="Group 6"/>
-          <p:cNvGrpSpPr/>
+      <p:pic>
+        <p:nvPicPr>
+          <p:cNvPr id="2060" name="Picture 12" descr="http://cfmm.robarts.ca/wp-content/uploads/2013/03/Functional_Metabolic_Mapping_RGB1.jpg"/>
+          <p:cNvPicPr>
+            <a:picLocks noChangeAspect="1" noChangeArrowheads="1"/>
+          </p:cNvPicPr>
           <p:nvPr/>
-        </p:nvGrpSpPr>
-        <p:grpSpPr>
-          <a:xfrm>
-            <a:off x="2197238" y="5324084"/>
-            <a:ext cx="7797524" cy="1255691"/>
-            <a:chOff x="1481070" y="4974834"/>
-            <a:chExt cx="7797524" cy="1255691"/>
-          </a:xfrm>
-        </p:grpSpPr>
-        <p:pic>
-          <p:nvPicPr>
-            <p:cNvPr id="2060" name="Picture 12" descr="http://cfmm.robarts.ca/wp-content/uploads/2013/03/Functional_Metabolic_Mapping_RGB1.jpg"/>
-            <p:cNvPicPr>
-              <a:picLocks noChangeAspect="1" noChangeArrowheads="1"/>
-            </p:cNvPicPr>
-            <p:nvPr/>
-          </p:nvPicPr>
-          <p:blipFill>
-            <a:blip r:embed="rId4">
-              <a:extLst>
-                <a:ext uri="{28A0092B-C50C-407E-A947-70E740481C1C}">
-                  <a14:useLocalDpi xmlns:a14="http://schemas.microsoft.com/office/drawing/2010/main" val="0"/>
-                </a:ext>
-              </a:extLst>
-            </a:blip>
-            <a:srcRect/>
-            <a:stretch>
-              <a:fillRect/>
-            </a:stretch>
-          </p:blipFill>
-          <p:spPr bwMode="auto">
-            <a:xfrm>
-              <a:off x="6553453" y="4974834"/>
-              <a:ext cx="1616539" cy="498541"/>
-            </a:xfrm>
-            <a:prstGeom prst="rect">
-              <a:avLst/>
-            </a:prstGeom>
-            <a:noFill/>
+        </p:nvPicPr>
+        <p:blipFill>
+          <a:blip r:embed="rId4">
             <a:extLst>
-              <a:ext uri="{909E8E84-426E-40DD-AFC4-6F175D3DCCD1}">
-                <a14:hiddenFill xmlns:a14="http://schemas.microsoft.com/office/drawing/2010/main">
-                  <a:solidFill>
-                    <a:srgbClr val="FFFFFF"/>
-                  </a:solidFill>
-                </a14:hiddenFill>
+              <a:ext uri="{28A0092B-C50C-407E-A947-70E740481C1C}">
+                <a14:useLocalDpi xmlns:a14="http://schemas.microsoft.com/office/drawing/2010/main" val="0"/>
               </a:ext>
             </a:extLst>
-          </p:spPr>
-        </p:pic>
-        <p:pic>
-          <p:nvPicPr>
-            <p:cNvPr id="2052" name="Picture 4" descr="BrainsCAN.png"/>
-            <p:cNvPicPr>
-              <a:picLocks noChangeAspect="1" noChangeArrowheads="1"/>
-            </p:cNvPicPr>
-            <p:nvPr/>
-          </p:nvPicPr>
-          <p:blipFill>
-            <a:blip r:embed="rId5">
-              <a:extLst>
-                <a:ext uri="{28A0092B-C50C-407E-A947-70E740481C1C}">
-                  <a14:useLocalDpi xmlns:a14="http://schemas.microsoft.com/office/drawing/2010/main" val="0"/>
-                </a:ext>
-              </a:extLst>
-            </a:blip>
-            <a:srcRect/>
-            <a:stretch>
-              <a:fillRect/>
-            </a:stretch>
-          </p:blipFill>
-          <p:spPr bwMode="auto">
-            <a:xfrm>
-              <a:off x="3780856" y="4974835"/>
-              <a:ext cx="1617614" cy="498541"/>
-            </a:xfrm>
-            <a:prstGeom prst="rect">
-              <a:avLst/>
-            </a:prstGeom>
-            <a:noFill/>
+          </a:blip>
+          <a:srcRect/>
+          <a:stretch>
+            <a:fillRect/>
+          </a:stretch>
+        </p:blipFill>
+        <p:spPr bwMode="auto">
+          <a:xfrm>
+            <a:off x="7269621" y="5324084"/>
+            <a:ext cx="1616539" cy="498541"/>
+          </a:xfrm>
+          <a:prstGeom prst="rect">
+            <a:avLst/>
+          </a:prstGeom>
+          <a:noFill/>
+          <a:extLst>
+            <a:ext uri="{909E8E84-426E-40DD-AFC4-6F175D3DCCD1}">
+              <a14:hiddenFill xmlns:a14="http://schemas.microsoft.com/office/drawing/2010/main">
+                <a:solidFill>
+                  <a:srgbClr val="FFFFFF"/>
+                </a:solidFill>
+              </a14:hiddenFill>
+            </a:ext>
+          </a:extLst>
+        </p:spPr>
+      </p:pic>
+      <p:pic>
+        <p:nvPicPr>
+          <p:cNvPr id="2052" name="Picture 4" descr="BrainsCAN.png"/>
+          <p:cNvPicPr>
+            <a:picLocks noChangeAspect="1" noChangeArrowheads="1"/>
+          </p:cNvPicPr>
+          <p:nvPr/>
+        </p:nvPicPr>
+        <p:blipFill>
+          <a:blip r:embed="rId5">
             <a:extLst>
-              <a:ext uri="{909E8E84-426E-40DD-AFC4-6F175D3DCCD1}">
-                <a14:hiddenFill xmlns:a14="http://schemas.microsoft.com/office/drawing/2010/main">
-                  <a:solidFill>
-                    <a:srgbClr val="FFFFFF"/>
-                  </a:solidFill>
-                </a14:hiddenFill>
+              <a:ext uri="{28A0092B-C50C-407E-A947-70E740481C1C}">
+                <a14:useLocalDpi xmlns:a14="http://schemas.microsoft.com/office/drawing/2010/main" val="0"/>
               </a:ext>
             </a:extLst>
-          </p:spPr>
-        </p:pic>
-        <p:grpSp>
-          <p:nvGrpSpPr>
-            <p:cNvPr id="5" name="Group 4"/>
-            <p:cNvGrpSpPr/>
-            <p:nvPr/>
-          </p:nvGrpSpPr>
-          <p:grpSpPr>
-            <a:xfrm>
-              <a:off x="1481070" y="5571890"/>
-              <a:ext cx="7797524" cy="658635"/>
-              <a:chOff x="2490423" y="5571890"/>
-              <a:chExt cx="7797524" cy="658635"/>
-            </a:xfrm>
-          </p:grpSpPr>
-          <p:pic>
-            <p:nvPicPr>
-              <p:cNvPr id="2054" name="Picture 6" descr="Eplink.png"/>
-              <p:cNvPicPr>
-                <a:picLocks noChangeAspect="1" noChangeArrowheads="1"/>
-              </p:cNvPicPr>
-              <p:nvPr/>
-            </p:nvPicPr>
-            <p:blipFill>
-              <a:blip r:embed="rId6">
-                <a:extLst>
-                  <a:ext uri="{28A0092B-C50C-407E-A947-70E740481C1C}">
-                    <a14:useLocalDpi xmlns:a14="http://schemas.microsoft.com/office/drawing/2010/main" val="0"/>
-                  </a:ext>
-                </a:extLst>
-              </a:blip>
-              <a:srcRect/>
-              <a:stretch>
-                <a:fillRect/>
-              </a:stretch>
-            </p:blipFill>
-            <p:spPr bwMode="auto">
-              <a:xfrm>
-                <a:off x="4790209" y="5571925"/>
-                <a:ext cx="851290" cy="601997"/>
-              </a:xfrm>
-              <a:prstGeom prst="rect">
-                <a:avLst/>
-              </a:prstGeom>
-              <a:noFill/>
-              <a:extLst>
-                <a:ext uri="{909E8E84-426E-40DD-AFC4-6F175D3DCCD1}">
-                  <a14:hiddenFill xmlns:a14="http://schemas.microsoft.com/office/drawing/2010/main">
-                    <a:solidFill>
-                      <a:srgbClr val="FFFFFF"/>
-                    </a:solidFill>
-                  </a14:hiddenFill>
-                </a:ext>
-              </a:extLst>
-            </p:spPr>
-          </p:pic>
-          <p:pic>
-            <p:nvPicPr>
-              <p:cNvPr id="2056" name="Picture 8" descr="BrainCanada.png"/>
-              <p:cNvPicPr>
-                <a:picLocks noChangeAspect="1" noChangeArrowheads="1"/>
-              </p:cNvPicPr>
-              <p:nvPr/>
-            </p:nvPicPr>
-            <p:blipFill>
-              <a:blip r:embed="rId7">
-                <a:extLst>
-                  <a:ext uri="{28A0092B-C50C-407E-A947-70E740481C1C}">
-                    <a14:useLocalDpi xmlns:a14="http://schemas.microsoft.com/office/drawing/2010/main" val="0"/>
-                  </a:ext>
-                </a:extLst>
-              </a:blip>
-              <a:srcRect/>
-              <a:stretch>
-                <a:fillRect/>
-              </a:stretch>
-            </p:blipFill>
-            <p:spPr bwMode="auto">
-              <a:xfrm>
-                <a:off x="5811062" y="5614528"/>
-                <a:ext cx="1957873" cy="559393"/>
-              </a:xfrm>
-              <a:prstGeom prst="rect">
-                <a:avLst/>
-              </a:prstGeom>
-              <a:noFill/>
-              <a:extLst>
-                <a:ext uri="{909E8E84-426E-40DD-AFC4-6F175D3DCCD1}">
-                  <a14:hiddenFill xmlns:a14="http://schemas.microsoft.com/office/drawing/2010/main">
-                    <a:solidFill>
-                      <a:srgbClr val="FFFFFF"/>
-                    </a:solidFill>
-                  </a14:hiddenFill>
-                </a:ext>
-              </a:extLst>
-            </p:spPr>
-          </p:pic>
-          <p:pic>
-            <p:nvPicPr>
-              <p:cNvPr id="2058" name="Picture 10" descr="OBI.jpg"/>
-              <p:cNvPicPr>
-                <a:picLocks noChangeAspect="1" noChangeArrowheads="1"/>
-              </p:cNvPicPr>
-              <p:nvPr/>
-            </p:nvPicPr>
-            <p:blipFill>
-              <a:blip r:embed="rId8">
-                <a:extLst>
-                  <a:ext uri="{28A0092B-C50C-407E-A947-70E740481C1C}">
-                    <a14:useLocalDpi xmlns:a14="http://schemas.microsoft.com/office/drawing/2010/main" val="0"/>
-                  </a:ext>
-                </a:extLst>
-              </a:blip>
-              <a:srcRect/>
-              <a:stretch>
-                <a:fillRect/>
-              </a:stretch>
-            </p:blipFill>
-            <p:spPr bwMode="auto">
-              <a:xfrm>
-                <a:off x="2490423" y="5667375"/>
-                <a:ext cx="2158594" cy="506546"/>
-              </a:xfrm>
-              <a:prstGeom prst="rect">
-                <a:avLst/>
-              </a:prstGeom>
-              <a:noFill/>
-              <a:extLst>
-                <a:ext uri="{909E8E84-426E-40DD-AFC4-6F175D3DCCD1}">
-                  <a14:hiddenFill xmlns:a14="http://schemas.microsoft.com/office/drawing/2010/main">
-                    <a:solidFill>
-                      <a:srgbClr val="FFFFFF"/>
-                    </a:solidFill>
-                  </a14:hiddenFill>
-                </a:ext>
-              </a:extLst>
-            </p:spPr>
-          </p:pic>
-          <p:pic>
-            <p:nvPicPr>
-              <p:cNvPr id="14" name="Picture 14" descr="CIHR's leaf identifier - full-colour"/>
-              <p:cNvPicPr>
-                <a:picLocks noChangeAspect="1" noChangeArrowheads="1"/>
-              </p:cNvPicPr>
-              <p:nvPr/>
-            </p:nvPicPr>
-            <p:blipFill>
-              <a:blip r:embed="rId9">
-                <a:extLst>
-                  <a:ext uri="{28A0092B-C50C-407E-A947-70E740481C1C}">
-                    <a14:useLocalDpi xmlns:a14="http://schemas.microsoft.com/office/drawing/2010/main" val="0"/>
-                  </a:ext>
-                </a:extLst>
-              </a:blip>
-              <a:srcRect/>
-              <a:stretch>
-                <a:fillRect/>
-              </a:stretch>
-            </p:blipFill>
-            <p:spPr bwMode="auto">
-              <a:xfrm>
-                <a:off x="9265802" y="5572463"/>
-                <a:ext cx="1022145" cy="657488"/>
-              </a:xfrm>
-              <a:prstGeom prst="rect">
-                <a:avLst/>
-              </a:prstGeom>
-              <a:noFill/>
-              <a:extLst>
-                <a:ext uri="{909E8E84-426E-40DD-AFC4-6F175D3DCCD1}">
-                  <a14:hiddenFill xmlns:a14="http://schemas.microsoft.com/office/drawing/2010/main">
-                    <a:solidFill>
-                      <a:srgbClr val="FFFFFF"/>
-                    </a:solidFill>
-                  </a14:hiddenFill>
-                </a:ext>
-              </a:extLst>
-            </p:spPr>
-          </p:pic>
-          <p:pic>
-            <p:nvPicPr>
-              <p:cNvPr id="15" name="Picture 18" descr="http://www.nserc-crsng.gc.ca/_img/logos/NSERC_C.jpg"/>
-              <p:cNvPicPr>
-                <a:picLocks noChangeAspect="1" noChangeArrowheads="1"/>
-              </p:cNvPicPr>
-              <p:nvPr/>
-            </p:nvPicPr>
-            <p:blipFill>
-              <a:blip r:embed="rId10">
-                <a:extLst>
-                  <a:ext uri="{28A0092B-C50C-407E-A947-70E740481C1C}">
-                    <a14:useLocalDpi xmlns:a14="http://schemas.microsoft.com/office/drawing/2010/main" val="0"/>
-                  </a:ext>
-                </a:extLst>
-              </a:blip>
-              <a:srcRect/>
-              <a:stretch>
-                <a:fillRect/>
-              </a:stretch>
-            </p:blipFill>
-            <p:spPr bwMode="auto">
-              <a:xfrm>
-                <a:off x="7862076" y="5571890"/>
-                <a:ext cx="1317269" cy="658635"/>
-              </a:xfrm>
-              <a:prstGeom prst="rect">
-                <a:avLst/>
-              </a:prstGeom>
-              <a:noFill/>
-              <a:extLst>
-                <a:ext uri="{909E8E84-426E-40DD-AFC4-6F175D3DCCD1}">
-                  <a14:hiddenFill xmlns:a14="http://schemas.microsoft.com/office/drawing/2010/main">
-                    <a:solidFill>
-                      <a:srgbClr val="FFFFFF"/>
-                    </a:solidFill>
-                  </a14:hiddenFill>
-                </a:ext>
-              </a:extLst>
-            </p:spPr>
-          </p:pic>
-        </p:grpSp>
-      </p:grpSp>
+          </a:blip>
+          <a:srcRect/>
+          <a:stretch>
+            <a:fillRect/>
+          </a:stretch>
+        </p:blipFill>
+        <p:spPr bwMode="auto">
+          <a:xfrm>
+            <a:off x="4497024" y="5324085"/>
+            <a:ext cx="1617614" cy="498541"/>
+          </a:xfrm>
+          <a:prstGeom prst="rect">
+            <a:avLst/>
+          </a:prstGeom>
+          <a:noFill/>
+          <a:extLst>
+            <a:ext uri="{909E8E84-426E-40DD-AFC4-6F175D3DCCD1}">
+              <a14:hiddenFill xmlns:a14="http://schemas.microsoft.com/office/drawing/2010/main">
+                <a:solidFill>
+                  <a:srgbClr val="FFFFFF"/>
+                </a:solidFill>
+              </a14:hiddenFill>
+            </a:ext>
+          </a:extLst>
+        </p:spPr>
+      </p:pic>
+      <p:pic>
+        <p:nvPicPr>
+          <p:cNvPr id="2054" name="Picture 6" descr="Eplink.png"/>
+          <p:cNvPicPr>
+            <a:picLocks noChangeAspect="1" noChangeArrowheads="1"/>
+          </p:cNvPicPr>
+          <p:nvPr/>
+        </p:nvPicPr>
+        <p:blipFill>
+          <a:blip r:embed="rId6">
+            <a:extLst>
+              <a:ext uri="{28A0092B-C50C-407E-A947-70E740481C1C}">
+                <a14:useLocalDpi xmlns:a14="http://schemas.microsoft.com/office/drawing/2010/main" val="0"/>
+              </a:ext>
+            </a:extLst>
+          </a:blip>
+          <a:srcRect/>
+          <a:stretch>
+            <a:fillRect/>
+          </a:stretch>
+        </p:blipFill>
+        <p:spPr bwMode="auto">
+          <a:xfrm>
+            <a:off x="4497024" y="5921175"/>
+            <a:ext cx="851290" cy="601997"/>
+          </a:xfrm>
+          <a:prstGeom prst="rect">
+            <a:avLst/>
+          </a:prstGeom>
+          <a:noFill/>
+          <a:extLst>
+            <a:ext uri="{909E8E84-426E-40DD-AFC4-6F175D3DCCD1}">
+              <a14:hiddenFill xmlns:a14="http://schemas.microsoft.com/office/drawing/2010/main">
+                <a:solidFill>
+                  <a:srgbClr val="FFFFFF"/>
+                </a:solidFill>
+              </a14:hiddenFill>
+            </a:ext>
+          </a:extLst>
+        </p:spPr>
+      </p:pic>
+      <p:pic>
+        <p:nvPicPr>
+          <p:cNvPr id="2056" name="Picture 8" descr="BrainCanada.png"/>
+          <p:cNvPicPr>
+            <a:picLocks noChangeAspect="1" noChangeArrowheads="1"/>
+          </p:cNvPicPr>
+          <p:nvPr/>
+        </p:nvPicPr>
+        <p:blipFill>
+          <a:blip r:embed="rId7">
+            <a:extLst>
+              <a:ext uri="{28A0092B-C50C-407E-A947-70E740481C1C}">
+                <a14:useLocalDpi xmlns:a14="http://schemas.microsoft.com/office/drawing/2010/main" val="0"/>
+              </a:ext>
+            </a:extLst>
+          </a:blip>
+          <a:srcRect/>
+          <a:stretch>
+            <a:fillRect/>
+          </a:stretch>
+        </p:blipFill>
+        <p:spPr bwMode="auto">
+          <a:xfrm>
+            <a:off x="5517877" y="5963778"/>
+            <a:ext cx="1957873" cy="559393"/>
+          </a:xfrm>
+          <a:prstGeom prst="rect">
+            <a:avLst/>
+          </a:prstGeom>
+          <a:noFill/>
+          <a:extLst>
+            <a:ext uri="{909E8E84-426E-40DD-AFC4-6F175D3DCCD1}">
+              <a14:hiddenFill xmlns:a14="http://schemas.microsoft.com/office/drawing/2010/main">
+                <a:solidFill>
+                  <a:srgbClr val="FFFFFF"/>
+                </a:solidFill>
+              </a14:hiddenFill>
+            </a:ext>
+          </a:extLst>
+        </p:spPr>
+      </p:pic>
+      <p:pic>
+        <p:nvPicPr>
+          <p:cNvPr id="2058" name="Picture 10" descr="OBI.jpg"/>
+          <p:cNvPicPr>
+            <a:picLocks noChangeAspect="1" noChangeArrowheads="1"/>
+          </p:cNvPicPr>
+          <p:nvPr/>
+        </p:nvPicPr>
+        <p:blipFill>
+          <a:blip r:embed="rId8">
+            <a:extLst>
+              <a:ext uri="{28A0092B-C50C-407E-A947-70E740481C1C}">
+                <a14:useLocalDpi xmlns:a14="http://schemas.microsoft.com/office/drawing/2010/main" val="0"/>
+              </a:ext>
+            </a:extLst>
+          </a:blip>
+          <a:srcRect/>
+          <a:stretch>
+            <a:fillRect/>
+          </a:stretch>
+        </p:blipFill>
+        <p:spPr bwMode="auto">
+          <a:xfrm>
+            <a:off x="2197238" y="6016625"/>
+            <a:ext cx="2158594" cy="506546"/>
+          </a:xfrm>
+          <a:prstGeom prst="rect">
+            <a:avLst/>
+          </a:prstGeom>
+          <a:noFill/>
+          <a:extLst>
+            <a:ext uri="{909E8E84-426E-40DD-AFC4-6F175D3DCCD1}">
+              <a14:hiddenFill xmlns:a14="http://schemas.microsoft.com/office/drawing/2010/main">
+                <a:solidFill>
+                  <a:srgbClr val="FFFFFF"/>
+                </a:solidFill>
+              </a14:hiddenFill>
+            </a:ext>
+          </a:extLst>
+        </p:spPr>
+      </p:pic>
+      <p:pic>
+        <p:nvPicPr>
+          <p:cNvPr id="14" name="Picture 14" descr="CIHR's leaf identifier - full-colour"/>
+          <p:cNvPicPr>
+            <a:picLocks noChangeAspect="1" noChangeArrowheads="1"/>
+          </p:cNvPicPr>
+          <p:nvPr/>
+        </p:nvPicPr>
+        <p:blipFill>
+          <a:blip r:embed="rId9">
+            <a:extLst>
+              <a:ext uri="{28A0092B-C50C-407E-A947-70E740481C1C}">
+                <a14:useLocalDpi xmlns:a14="http://schemas.microsoft.com/office/drawing/2010/main" val="0"/>
+              </a:ext>
+            </a:extLst>
+          </a:blip>
+          <a:srcRect/>
+          <a:stretch>
+            <a:fillRect/>
+          </a:stretch>
+        </p:blipFill>
+        <p:spPr bwMode="auto">
+          <a:xfrm>
+            <a:off x="8972617" y="5921713"/>
+            <a:ext cx="1022145" cy="657488"/>
+          </a:xfrm>
+          <a:prstGeom prst="rect">
+            <a:avLst/>
+          </a:prstGeom>
+          <a:noFill/>
+          <a:extLst>
+            <a:ext uri="{909E8E84-426E-40DD-AFC4-6F175D3DCCD1}">
+              <a14:hiddenFill xmlns:a14="http://schemas.microsoft.com/office/drawing/2010/main">
+                <a:solidFill>
+                  <a:srgbClr val="FFFFFF"/>
+                </a:solidFill>
+              </a14:hiddenFill>
+            </a:ext>
+          </a:extLst>
+        </p:spPr>
+      </p:pic>
+      <p:pic>
+        <p:nvPicPr>
+          <p:cNvPr id="15" name="Picture 18" descr="http://www.nserc-crsng.gc.ca/_img/logos/NSERC_C.jpg"/>
+          <p:cNvPicPr>
+            <a:picLocks noChangeAspect="1" noChangeArrowheads="1"/>
+          </p:cNvPicPr>
+          <p:nvPr/>
+        </p:nvPicPr>
+        <p:blipFill>
+          <a:blip r:embed="rId10">
+            <a:extLst>
+              <a:ext uri="{28A0092B-C50C-407E-A947-70E740481C1C}">
+                <a14:useLocalDpi xmlns:a14="http://schemas.microsoft.com/office/drawing/2010/main" val="0"/>
+              </a:ext>
+            </a:extLst>
+          </a:blip>
+          <a:srcRect/>
+          <a:stretch>
+            <a:fillRect/>
+          </a:stretch>
+        </p:blipFill>
+        <p:spPr bwMode="auto">
+          <a:xfrm>
+            <a:off x="7568891" y="5921140"/>
+            <a:ext cx="1317269" cy="658635"/>
+          </a:xfrm>
+          <a:prstGeom prst="rect">
+            <a:avLst/>
+          </a:prstGeom>
+          <a:noFill/>
+          <a:extLst>
+            <a:ext uri="{909E8E84-426E-40DD-AFC4-6F175D3DCCD1}">
+              <a14:hiddenFill xmlns:a14="http://schemas.microsoft.com/office/drawing/2010/main">
+                <a:solidFill>
+                  <a:srgbClr val="FFFFFF"/>
+                </a:solidFill>
+              </a14:hiddenFill>
+            </a:ext>
+          </a:extLst>
+        </p:spPr>
+      </p:pic>
       <p:sp>
         <p:nvSpPr>
           <p:cNvPr id="8" name="Content Placeholder 7"/>
@@ -10766,13 +10555,6 @@
   <p:clrMapOvr>
     <a:masterClrMapping/>
   </p:clrMapOvr>
-  <p:timing>
-    <p:tnLst>
-      <p:par>
-        <p:cTn id="1" dur="indefinite" restart="never" nodeType="tmRoot"/>
-      </p:par>
-    </p:tnLst>
-  </p:timing>
 </p:sld>
 </file>
 
